--- a/Resources/COVID19-2020_Hackerearth_v3.pptx
+++ b/Resources/COVID19-2020_Hackerearth_v3.pptx
@@ -147,6 +147,289 @@
 
 <file path=ppt/changesInfos/changesInfo1.xml><?xml version="1.0" encoding="utf-8"?>
 <pc:chgInfo xmlns:a="http://schemas.openxmlformats.org/drawingml/2006/main" xmlns:r="http://schemas.openxmlformats.org/officeDocument/2006/relationships" xmlns:ac="http://schemas.microsoft.com/office/drawing/2013/main/command" xmlns:pc="http://schemas.microsoft.com/office/powerpoint/2013/main/command">
+  <pc:docChgLst>
+    <pc:chgData name="Deepika Roy" userId="ae649067-a08d-41b6-b863-ef4e4f4624b6" providerId="ADAL" clId="{64197176-1079-4302-98AF-78607E4E22BC}"/>
+    <pc:docChg chg="custSel addSld modSld">
+      <pc:chgData name="Deepika Roy" userId="ae649067-a08d-41b6-b863-ef4e4f4624b6" providerId="ADAL" clId="{64197176-1079-4302-98AF-78607E4E22BC}" dt="2020-05-10T17:53:07.345" v="3766" actId="20577"/>
+      <pc:docMkLst>
+        <pc:docMk/>
+      </pc:docMkLst>
+      <pc:sldChg chg="modSp">
+        <pc:chgData name="Deepika Roy" userId="ae649067-a08d-41b6-b863-ef4e4f4624b6" providerId="ADAL" clId="{64197176-1079-4302-98AF-78607E4E22BC}" dt="2020-05-10T17:10:11.148" v="131" actId="20577"/>
+        <pc:sldMkLst>
+          <pc:docMk/>
+          <pc:sldMk cId="383514517" sldId="256"/>
+        </pc:sldMkLst>
+        <pc:spChg chg="mod">
+          <ac:chgData name="Deepika Roy" userId="ae649067-a08d-41b6-b863-ef4e4f4624b6" providerId="ADAL" clId="{64197176-1079-4302-98AF-78607E4E22BC}" dt="2020-05-10T17:10:11.148" v="131" actId="20577"/>
+          <ac:spMkLst>
+            <pc:docMk/>
+            <pc:sldMk cId="383514517" sldId="256"/>
+            <ac:spMk id="2" creationId="{5FEEED47-7876-4710-87F5-D2A8DBFE508A}"/>
+          </ac:spMkLst>
+        </pc:spChg>
+      </pc:sldChg>
+      <pc:sldChg chg="modSp">
+        <pc:chgData name="Deepika Roy" userId="ae649067-a08d-41b6-b863-ef4e4f4624b6" providerId="ADAL" clId="{64197176-1079-4302-98AF-78607E4E22BC}" dt="2020-05-10T17:12:00.471" v="422" actId="5793"/>
+        <pc:sldMkLst>
+          <pc:docMk/>
+          <pc:sldMk cId="3001952021" sldId="257"/>
+        </pc:sldMkLst>
+        <pc:spChg chg="mod">
+          <ac:chgData name="Deepika Roy" userId="ae649067-a08d-41b6-b863-ef4e4f4624b6" providerId="ADAL" clId="{64197176-1079-4302-98AF-78607E4E22BC}" dt="2020-05-10T17:12:00.471" v="422" actId="5793"/>
+          <ac:spMkLst>
+            <pc:docMk/>
+            <pc:sldMk cId="3001952021" sldId="257"/>
+            <ac:spMk id="3" creationId="{92FB1F07-4CAC-48C0-BCA0-F05DFD7A4A65}"/>
+          </ac:spMkLst>
+        </pc:spChg>
+      </pc:sldChg>
+      <pc:sldChg chg="modSp">
+        <pc:chgData name="Deepika Roy" userId="ae649067-a08d-41b6-b863-ef4e4f4624b6" providerId="ADAL" clId="{64197176-1079-4302-98AF-78607E4E22BC}" dt="2020-05-10T17:27:32.056" v="2199" actId="20577"/>
+        <pc:sldMkLst>
+          <pc:docMk/>
+          <pc:sldMk cId="791917231" sldId="258"/>
+        </pc:sldMkLst>
+        <pc:spChg chg="mod">
+          <ac:chgData name="Deepika Roy" userId="ae649067-a08d-41b6-b863-ef4e4f4624b6" providerId="ADAL" clId="{64197176-1079-4302-98AF-78607E4E22BC}" dt="2020-05-10T17:27:32.056" v="2199" actId="20577"/>
+          <ac:spMkLst>
+            <pc:docMk/>
+            <pc:sldMk cId="791917231" sldId="258"/>
+            <ac:spMk id="3" creationId="{4406B317-9DA0-435B-8B08-F4AC7D664795}"/>
+          </ac:spMkLst>
+        </pc:spChg>
+      </pc:sldChg>
+      <pc:sldChg chg="modSp">
+        <pc:chgData name="Deepika Roy" userId="ae649067-a08d-41b6-b863-ef4e4f4624b6" providerId="ADAL" clId="{64197176-1079-4302-98AF-78607E4E22BC}" dt="2020-05-10T17:13:14.381" v="601" actId="20577"/>
+        <pc:sldMkLst>
+          <pc:docMk/>
+          <pc:sldMk cId="1608802903" sldId="260"/>
+        </pc:sldMkLst>
+        <pc:spChg chg="mod">
+          <ac:chgData name="Deepika Roy" userId="ae649067-a08d-41b6-b863-ef4e4f4624b6" providerId="ADAL" clId="{64197176-1079-4302-98AF-78607E4E22BC}" dt="2020-05-10T17:13:14.381" v="601" actId="20577"/>
+          <ac:spMkLst>
+            <pc:docMk/>
+            <pc:sldMk cId="1608802903" sldId="260"/>
+            <ac:spMk id="3" creationId="{C7018F3A-A7CD-4F10-A9E3-AC31A4FF5A4E}"/>
+          </ac:spMkLst>
+        </pc:spChg>
+      </pc:sldChg>
+      <pc:sldChg chg="modSp">
+        <pc:chgData name="Deepika Roy" userId="ae649067-a08d-41b6-b863-ef4e4f4624b6" providerId="ADAL" clId="{64197176-1079-4302-98AF-78607E4E22BC}" dt="2020-05-10T17:26:39.763" v="2147" actId="20577"/>
+        <pc:sldMkLst>
+          <pc:docMk/>
+          <pc:sldMk cId="2469907683" sldId="264"/>
+        </pc:sldMkLst>
+        <pc:spChg chg="mod">
+          <ac:chgData name="Deepika Roy" userId="ae649067-a08d-41b6-b863-ef4e4f4624b6" providerId="ADAL" clId="{64197176-1079-4302-98AF-78607E4E22BC}" dt="2020-05-10T17:26:39.763" v="2147" actId="20577"/>
+          <ac:spMkLst>
+            <pc:docMk/>
+            <pc:sldMk cId="2469907683" sldId="264"/>
+            <ac:spMk id="3" creationId="{4DE165F2-B626-4997-93BB-54D5A1C60C98}"/>
+          </ac:spMkLst>
+        </pc:spChg>
+      </pc:sldChg>
+      <pc:sldChg chg="modSp">
+        <pc:chgData name="Deepika Roy" userId="ae649067-a08d-41b6-b863-ef4e4f4624b6" providerId="ADAL" clId="{64197176-1079-4302-98AF-78607E4E22BC}" dt="2020-05-10T17:53:07.345" v="3766" actId="20577"/>
+        <pc:sldMkLst>
+          <pc:docMk/>
+          <pc:sldMk cId="1602210818" sldId="265"/>
+        </pc:sldMkLst>
+        <pc:spChg chg="mod">
+          <ac:chgData name="Deepika Roy" userId="ae649067-a08d-41b6-b863-ef4e4f4624b6" providerId="ADAL" clId="{64197176-1079-4302-98AF-78607E4E22BC}" dt="2020-05-10T17:53:07.345" v="3766" actId="20577"/>
+          <ac:spMkLst>
+            <pc:docMk/>
+            <pc:sldMk cId="1602210818" sldId="265"/>
+            <ac:spMk id="2" creationId="{CB880177-4EB6-43A0-871C-425EC2197C09}"/>
+          </ac:spMkLst>
+        </pc:spChg>
+        <pc:spChg chg="mod">
+          <ac:chgData name="Deepika Roy" userId="ae649067-a08d-41b6-b863-ef4e4f4624b6" providerId="ADAL" clId="{64197176-1079-4302-98AF-78607E4E22BC}" dt="2020-05-10T17:24:17.345" v="2068" actId="1035"/>
+          <ac:spMkLst>
+            <pc:docMk/>
+            <pc:sldMk cId="1602210818" sldId="265"/>
+            <ac:spMk id="17" creationId="{11F5FE85-112B-4304-9944-36083D952874}"/>
+          </ac:spMkLst>
+        </pc:spChg>
+        <pc:spChg chg="mod">
+          <ac:chgData name="Deepika Roy" userId="ae649067-a08d-41b6-b863-ef4e4f4624b6" providerId="ADAL" clId="{64197176-1079-4302-98AF-78607E4E22BC}" dt="2020-05-10T17:24:20.465" v="2074" actId="1035"/>
+          <ac:spMkLst>
+            <pc:docMk/>
+            <pc:sldMk cId="1602210818" sldId="265"/>
+            <ac:spMk id="18" creationId="{82389D04-2690-410F-B9BB-9481013C0F60}"/>
+          </ac:spMkLst>
+        </pc:spChg>
+      </pc:sldChg>
+      <pc:sldChg chg="modSp add">
+        <pc:chgData name="Deepika Roy" userId="ae649067-a08d-41b6-b863-ef4e4f4624b6" providerId="ADAL" clId="{64197176-1079-4302-98AF-78607E4E22BC}" dt="2020-05-10T17:23:00.493" v="1985" actId="20577"/>
+        <pc:sldMkLst>
+          <pc:docMk/>
+          <pc:sldMk cId="3783139352" sldId="272"/>
+        </pc:sldMkLst>
+        <pc:spChg chg="mod">
+          <ac:chgData name="Deepika Roy" userId="ae649067-a08d-41b6-b863-ef4e4f4624b6" providerId="ADAL" clId="{64197176-1079-4302-98AF-78607E4E22BC}" dt="2020-05-10T17:13:49.024" v="657" actId="20577"/>
+          <ac:spMkLst>
+            <pc:docMk/>
+            <pc:sldMk cId="3783139352" sldId="272"/>
+            <ac:spMk id="2" creationId="{7E9677F0-47A6-4833-8A6B-3E33A94EC18B}"/>
+          </ac:spMkLst>
+        </pc:spChg>
+        <pc:spChg chg="mod">
+          <ac:chgData name="Deepika Roy" userId="ae649067-a08d-41b6-b863-ef4e4f4624b6" providerId="ADAL" clId="{64197176-1079-4302-98AF-78607E4E22BC}" dt="2020-05-10T17:23:00.493" v="1985" actId="20577"/>
+          <ac:spMkLst>
+            <pc:docMk/>
+            <pc:sldMk cId="3783139352" sldId="272"/>
+            <ac:spMk id="3" creationId="{1D5078B9-5564-4AF2-B09A-623D8009970D}"/>
+          </ac:spMkLst>
+        </pc:spChg>
+      </pc:sldChg>
+      <pc:sldChg chg="modSp add">
+        <pc:chgData name="Deepika Roy" userId="ae649067-a08d-41b6-b863-ef4e4f4624b6" providerId="ADAL" clId="{64197176-1079-4302-98AF-78607E4E22BC}" dt="2020-05-10T17:25:42.142" v="2101" actId="27636"/>
+        <pc:sldMkLst>
+          <pc:docMk/>
+          <pc:sldMk cId="4066349390" sldId="273"/>
+        </pc:sldMkLst>
+        <pc:spChg chg="mod">
+          <ac:chgData name="Deepika Roy" userId="ae649067-a08d-41b6-b863-ef4e4f4624b6" providerId="ADAL" clId="{64197176-1079-4302-98AF-78607E4E22BC}" dt="2020-05-10T17:14:15.983" v="749" actId="20577"/>
+          <ac:spMkLst>
+            <pc:docMk/>
+            <pc:sldMk cId="4066349390" sldId="273"/>
+            <ac:spMk id="2" creationId="{784829B5-E014-473D-87E3-4EB38D2A0519}"/>
+          </ac:spMkLst>
+        </pc:spChg>
+        <pc:spChg chg="mod">
+          <ac:chgData name="Deepika Roy" userId="ae649067-a08d-41b6-b863-ef4e4f4624b6" providerId="ADAL" clId="{64197176-1079-4302-98AF-78607E4E22BC}" dt="2020-05-10T17:25:42.142" v="2101" actId="27636"/>
+          <ac:spMkLst>
+            <pc:docMk/>
+            <pc:sldMk cId="4066349390" sldId="273"/>
+            <ac:spMk id="3" creationId="{DAAA795A-99F7-4671-8463-DC5496F16B90}"/>
+          </ac:spMkLst>
+        </pc:spChg>
+      </pc:sldChg>
+      <pc:sldChg chg="modSp add">
+        <pc:chgData name="Deepika Roy" userId="ae649067-a08d-41b6-b863-ef4e4f4624b6" providerId="ADAL" clId="{64197176-1079-4302-98AF-78607E4E22BC}" dt="2020-05-10T17:33:57.222" v="3199" actId="20577"/>
+        <pc:sldMkLst>
+          <pc:docMk/>
+          <pc:sldMk cId="2715106891" sldId="274"/>
+        </pc:sldMkLst>
+        <pc:spChg chg="mod">
+          <ac:chgData name="Deepika Roy" userId="ae649067-a08d-41b6-b863-ef4e4f4624b6" providerId="ADAL" clId="{64197176-1079-4302-98AF-78607E4E22BC}" dt="2020-05-10T17:14:42.381" v="811" actId="20577"/>
+          <ac:spMkLst>
+            <pc:docMk/>
+            <pc:sldMk cId="2715106891" sldId="274"/>
+            <ac:spMk id="2" creationId="{2F28A0BC-756E-48B5-A6DC-3DB99EC02F10}"/>
+          </ac:spMkLst>
+        </pc:spChg>
+        <pc:spChg chg="mod">
+          <ac:chgData name="Deepika Roy" userId="ae649067-a08d-41b6-b863-ef4e4f4624b6" providerId="ADAL" clId="{64197176-1079-4302-98AF-78607E4E22BC}" dt="2020-05-10T17:33:57.222" v="3199" actId="20577"/>
+          <ac:spMkLst>
+            <pc:docMk/>
+            <pc:sldMk cId="2715106891" sldId="274"/>
+            <ac:spMk id="3" creationId="{70E1AE7C-245A-4426-828E-00DBF012BF14}"/>
+          </ac:spMkLst>
+        </pc:spChg>
+      </pc:sldChg>
+      <pc:sldChg chg="modSp add">
+        <pc:chgData name="Deepika Roy" userId="ae649067-a08d-41b6-b863-ef4e4f4624b6" providerId="ADAL" clId="{64197176-1079-4302-98AF-78607E4E22BC}" dt="2020-05-10T17:32:58.270" v="3074" actId="20577"/>
+        <pc:sldMkLst>
+          <pc:docMk/>
+          <pc:sldMk cId="171565546" sldId="275"/>
+        </pc:sldMkLst>
+        <pc:spChg chg="mod">
+          <ac:chgData name="Deepika Roy" userId="ae649067-a08d-41b6-b863-ef4e4f4624b6" providerId="ADAL" clId="{64197176-1079-4302-98AF-78607E4E22BC}" dt="2020-05-10T17:15:14.461" v="899" actId="20577"/>
+          <ac:spMkLst>
+            <pc:docMk/>
+            <pc:sldMk cId="171565546" sldId="275"/>
+            <ac:spMk id="2" creationId="{635C0688-A521-4C58-AA25-BE5A6EB4DD66}"/>
+          </ac:spMkLst>
+        </pc:spChg>
+        <pc:spChg chg="mod">
+          <ac:chgData name="Deepika Roy" userId="ae649067-a08d-41b6-b863-ef4e4f4624b6" providerId="ADAL" clId="{64197176-1079-4302-98AF-78607E4E22BC}" dt="2020-05-10T17:32:58.270" v="3074" actId="20577"/>
+          <ac:spMkLst>
+            <pc:docMk/>
+            <pc:sldMk cId="171565546" sldId="275"/>
+            <ac:spMk id="3" creationId="{566A5AD3-C66F-43A5-B320-3905E6B8E67C}"/>
+          </ac:spMkLst>
+        </pc:spChg>
+      </pc:sldChg>
+      <pc:sldChg chg="modSp add">
+        <pc:chgData name="Deepika Roy" userId="ae649067-a08d-41b6-b863-ef4e4f4624b6" providerId="ADAL" clId="{64197176-1079-4302-98AF-78607E4E22BC}" dt="2020-05-10T17:52:30.813" v="3710" actId="27636"/>
+        <pc:sldMkLst>
+          <pc:docMk/>
+          <pc:sldMk cId="3870890706" sldId="276"/>
+        </pc:sldMkLst>
+        <pc:spChg chg="mod">
+          <ac:chgData name="Deepika Roy" userId="ae649067-a08d-41b6-b863-ef4e4f4624b6" providerId="ADAL" clId="{64197176-1079-4302-98AF-78607E4E22BC}" dt="2020-05-10T17:16:14.125" v="1027" actId="20577"/>
+          <ac:spMkLst>
+            <pc:docMk/>
+            <pc:sldMk cId="3870890706" sldId="276"/>
+            <ac:spMk id="2" creationId="{6E1ACD40-B35B-4418-9396-E975D2DAB4CA}"/>
+          </ac:spMkLst>
+        </pc:spChg>
+        <pc:spChg chg="mod">
+          <ac:chgData name="Deepika Roy" userId="ae649067-a08d-41b6-b863-ef4e4f4624b6" providerId="ADAL" clId="{64197176-1079-4302-98AF-78607E4E22BC}" dt="2020-05-10T17:52:30.813" v="3710" actId="27636"/>
+          <ac:spMkLst>
+            <pc:docMk/>
+            <pc:sldMk cId="3870890706" sldId="276"/>
+            <ac:spMk id="3" creationId="{9C469FA8-6C21-4E2A-A7B9-B82BAA7CFC52}"/>
+          </ac:spMkLst>
+        </pc:spChg>
+      </pc:sldChg>
+      <pc:sldChg chg="modSp add">
+        <pc:chgData name="Deepika Roy" userId="ae649067-a08d-41b6-b863-ef4e4f4624b6" providerId="ADAL" clId="{64197176-1079-4302-98AF-78607E4E22BC}" dt="2020-05-10T17:29:35.916" v="2541" actId="5793"/>
+        <pc:sldMkLst>
+          <pc:docMk/>
+          <pc:sldMk cId="2325096278" sldId="277"/>
+        </pc:sldMkLst>
+        <pc:spChg chg="mod">
+          <ac:chgData name="Deepika Roy" userId="ae649067-a08d-41b6-b863-ef4e4f4624b6" providerId="ADAL" clId="{64197176-1079-4302-98AF-78607E4E22BC}" dt="2020-05-10T17:29:35.916" v="2541" actId="5793"/>
+          <ac:spMkLst>
+            <pc:docMk/>
+            <pc:sldMk cId="2325096278" sldId="277"/>
+            <ac:spMk id="3" creationId="{DAAA795A-99F7-4671-8463-DC5496F16B90}"/>
+          </ac:spMkLst>
+        </pc:spChg>
+      </pc:sldChg>
+      <pc:sldChg chg="modSp add">
+        <pc:chgData name="Deepika Roy" userId="ae649067-a08d-41b6-b863-ef4e4f4624b6" providerId="ADAL" clId="{64197176-1079-4302-98AF-78607E4E22BC}" dt="2020-05-10T17:22:52.908" v="1969" actId="20577"/>
+        <pc:sldMkLst>
+          <pc:docMk/>
+          <pc:sldMk cId="177648289" sldId="278"/>
+        </pc:sldMkLst>
+        <pc:spChg chg="mod">
+          <ac:chgData name="Deepika Roy" userId="ae649067-a08d-41b6-b863-ef4e4f4624b6" providerId="ADAL" clId="{64197176-1079-4302-98AF-78607E4E22BC}" dt="2020-05-10T17:22:52.908" v="1969" actId="20577"/>
+          <ac:spMkLst>
+            <pc:docMk/>
+            <pc:sldMk cId="177648289" sldId="278"/>
+            <ac:spMk id="3" creationId="{1D5078B9-5564-4AF2-B09A-623D8009970D}"/>
+          </ac:spMkLst>
+        </pc:spChg>
+      </pc:sldChg>
+      <pc:sldChg chg="modSp add">
+        <pc:chgData name="Deepika Roy" userId="ae649067-a08d-41b6-b863-ef4e4f4624b6" providerId="ADAL" clId="{64197176-1079-4302-98AF-78607E4E22BC}" dt="2020-05-10T17:25:07.850" v="2093"/>
+        <pc:sldMkLst>
+          <pc:docMk/>
+          <pc:sldMk cId="4193119498" sldId="279"/>
+        </pc:sldMkLst>
+        <pc:spChg chg="mod">
+          <ac:chgData name="Deepika Roy" userId="ae649067-a08d-41b6-b863-ef4e4f4624b6" providerId="ADAL" clId="{64197176-1079-4302-98AF-78607E4E22BC}" dt="2020-05-10T17:24:52.820" v="2092" actId="5793"/>
+          <ac:spMkLst>
+            <pc:docMk/>
+            <pc:sldMk cId="4193119498" sldId="279"/>
+            <ac:spMk id="2" creationId="{A1093F78-D8F7-4162-A332-AB65776D2A81}"/>
+          </ac:spMkLst>
+        </pc:spChg>
+        <pc:spChg chg="mod">
+          <ac:chgData name="Deepika Roy" userId="ae649067-a08d-41b6-b863-ef4e4f4624b6" providerId="ADAL" clId="{64197176-1079-4302-98AF-78607E4E22BC}" dt="2020-05-10T17:25:07.850" v="2093"/>
+          <ac:spMkLst>
+            <pc:docMk/>
+            <pc:sldMk cId="4193119498" sldId="279"/>
+            <ac:spMk id="3" creationId="{2B80013E-1712-4B29-8F0A-66EE7C8A13F0}"/>
+          </ac:spMkLst>
+        </pc:spChg>
+      </pc:sldChg>
+    </pc:docChg>
+  </pc:docChgLst>
   <pc:docChgLst>
     <pc:chgData name="Roy,Deepika" userId="ae649067-a08d-41b6-b863-ef4e4f4624b6" providerId="ADAL" clId="{64197176-1079-4302-98AF-78607E4E22BC}"/>
     <pc:docChg chg="undo custSel addSld delSld modSld">
@@ -673,289 +956,6 @@
       </pc:sldChg>
     </pc:docChg>
   </pc:docChgLst>
-  <pc:docChgLst>
-    <pc:chgData name="Deepika Roy" userId="ae649067-a08d-41b6-b863-ef4e4f4624b6" providerId="ADAL" clId="{64197176-1079-4302-98AF-78607E4E22BC}"/>
-    <pc:docChg chg="custSel addSld modSld">
-      <pc:chgData name="Deepika Roy" userId="ae649067-a08d-41b6-b863-ef4e4f4624b6" providerId="ADAL" clId="{64197176-1079-4302-98AF-78607E4E22BC}" dt="2020-05-10T17:53:07.345" v="3766" actId="20577"/>
-      <pc:docMkLst>
-        <pc:docMk/>
-      </pc:docMkLst>
-      <pc:sldChg chg="modSp">
-        <pc:chgData name="Deepika Roy" userId="ae649067-a08d-41b6-b863-ef4e4f4624b6" providerId="ADAL" clId="{64197176-1079-4302-98AF-78607E4E22BC}" dt="2020-05-10T17:10:11.148" v="131" actId="20577"/>
-        <pc:sldMkLst>
-          <pc:docMk/>
-          <pc:sldMk cId="383514517" sldId="256"/>
-        </pc:sldMkLst>
-        <pc:spChg chg="mod">
-          <ac:chgData name="Deepika Roy" userId="ae649067-a08d-41b6-b863-ef4e4f4624b6" providerId="ADAL" clId="{64197176-1079-4302-98AF-78607E4E22BC}" dt="2020-05-10T17:10:11.148" v="131" actId="20577"/>
-          <ac:spMkLst>
-            <pc:docMk/>
-            <pc:sldMk cId="383514517" sldId="256"/>
-            <ac:spMk id="2" creationId="{5FEEED47-7876-4710-87F5-D2A8DBFE508A}"/>
-          </ac:spMkLst>
-        </pc:spChg>
-      </pc:sldChg>
-      <pc:sldChg chg="modSp">
-        <pc:chgData name="Deepika Roy" userId="ae649067-a08d-41b6-b863-ef4e4f4624b6" providerId="ADAL" clId="{64197176-1079-4302-98AF-78607E4E22BC}" dt="2020-05-10T17:12:00.471" v="422" actId="5793"/>
-        <pc:sldMkLst>
-          <pc:docMk/>
-          <pc:sldMk cId="3001952021" sldId="257"/>
-        </pc:sldMkLst>
-        <pc:spChg chg="mod">
-          <ac:chgData name="Deepika Roy" userId="ae649067-a08d-41b6-b863-ef4e4f4624b6" providerId="ADAL" clId="{64197176-1079-4302-98AF-78607E4E22BC}" dt="2020-05-10T17:12:00.471" v="422" actId="5793"/>
-          <ac:spMkLst>
-            <pc:docMk/>
-            <pc:sldMk cId="3001952021" sldId="257"/>
-            <ac:spMk id="3" creationId="{92FB1F07-4CAC-48C0-BCA0-F05DFD7A4A65}"/>
-          </ac:spMkLst>
-        </pc:spChg>
-      </pc:sldChg>
-      <pc:sldChg chg="modSp">
-        <pc:chgData name="Deepika Roy" userId="ae649067-a08d-41b6-b863-ef4e4f4624b6" providerId="ADAL" clId="{64197176-1079-4302-98AF-78607E4E22BC}" dt="2020-05-10T17:27:32.056" v="2199" actId="20577"/>
-        <pc:sldMkLst>
-          <pc:docMk/>
-          <pc:sldMk cId="791917231" sldId="258"/>
-        </pc:sldMkLst>
-        <pc:spChg chg="mod">
-          <ac:chgData name="Deepika Roy" userId="ae649067-a08d-41b6-b863-ef4e4f4624b6" providerId="ADAL" clId="{64197176-1079-4302-98AF-78607E4E22BC}" dt="2020-05-10T17:27:32.056" v="2199" actId="20577"/>
-          <ac:spMkLst>
-            <pc:docMk/>
-            <pc:sldMk cId="791917231" sldId="258"/>
-            <ac:spMk id="3" creationId="{4406B317-9DA0-435B-8B08-F4AC7D664795}"/>
-          </ac:spMkLst>
-        </pc:spChg>
-      </pc:sldChg>
-      <pc:sldChg chg="modSp">
-        <pc:chgData name="Deepika Roy" userId="ae649067-a08d-41b6-b863-ef4e4f4624b6" providerId="ADAL" clId="{64197176-1079-4302-98AF-78607E4E22BC}" dt="2020-05-10T17:13:14.381" v="601" actId="20577"/>
-        <pc:sldMkLst>
-          <pc:docMk/>
-          <pc:sldMk cId="1608802903" sldId="260"/>
-        </pc:sldMkLst>
-        <pc:spChg chg="mod">
-          <ac:chgData name="Deepika Roy" userId="ae649067-a08d-41b6-b863-ef4e4f4624b6" providerId="ADAL" clId="{64197176-1079-4302-98AF-78607E4E22BC}" dt="2020-05-10T17:13:14.381" v="601" actId="20577"/>
-          <ac:spMkLst>
-            <pc:docMk/>
-            <pc:sldMk cId="1608802903" sldId="260"/>
-            <ac:spMk id="3" creationId="{C7018F3A-A7CD-4F10-A9E3-AC31A4FF5A4E}"/>
-          </ac:spMkLst>
-        </pc:spChg>
-      </pc:sldChg>
-      <pc:sldChg chg="modSp">
-        <pc:chgData name="Deepika Roy" userId="ae649067-a08d-41b6-b863-ef4e4f4624b6" providerId="ADAL" clId="{64197176-1079-4302-98AF-78607E4E22BC}" dt="2020-05-10T17:26:39.763" v="2147" actId="20577"/>
-        <pc:sldMkLst>
-          <pc:docMk/>
-          <pc:sldMk cId="2469907683" sldId="264"/>
-        </pc:sldMkLst>
-        <pc:spChg chg="mod">
-          <ac:chgData name="Deepika Roy" userId="ae649067-a08d-41b6-b863-ef4e4f4624b6" providerId="ADAL" clId="{64197176-1079-4302-98AF-78607E4E22BC}" dt="2020-05-10T17:26:39.763" v="2147" actId="20577"/>
-          <ac:spMkLst>
-            <pc:docMk/>
-            <pc:sldMk cId="2469907683" sldId="264"/>
-            <ac:spMk id="3" creationId="{4DE165F2-B626-4997-93BB-54D5A1C60C98}"/>
-          </ac:spMkLst>
-        </pc:spChg>
-      </pc:sldChg>
-      <pc:sldChg chg="modSp">
-        <pc:chgData name="Deepika Roy" userId="ae649067-a08d-41b6-b863-ef4e4f4624b6" providerId="ADAL" clId="{64197176-1079-4302-98AF-78607E4E22BC}" dt="2020-05-10T17:53:07.345" v="3766" actId="20577"/>
-        <pc:sldMkLst>
-          <pc:docMk/>
-          <pc:sldMk cId="1602210818" sldId="265"/>
-        </pc:sldMkLst>
-        <pc:spChg chg="mod">
-          <ac:chgData name="Deepika Roy" userId="ae649067-a08d-41b6-b863-ef4e4f4624b6" providerId="ADAL" clId="{64197176-1079-4302-98AF-78607E4E22BC}" dt="2020-05-10T17:53:07.345" v="3766" actId="20577"/>
-          <ac:spMkLst>
-            <pc:docMk/>
-            <pc:sldMk cId="1602210818" sldId="265"/>
-            <ac:spMk id="2" creationId="{CB880177-4EB6-43A0-871C-425EC2197C09}"/>
-          </ac:spMkLst>
-        </pc:spChg>
-        <pc:spChg chg="mod">
-          <ac:chgData name="Deepika Roy" userId="ae649067-a08d-41b6-b863-ef4e4f4624b6" providerId="ADAL" clId="{64197176-1079-4302-98AF-78607E4E22BC}" dt="2020-05-10T17:24:17.345" v="2068" actId="1035"/>
-          <ac:spMkLst>
-            <pc:docMk/>
-            <pc:sldMk cId="1602210818" sldId="265"/>
-            <ac:spMk id="17" creationId="{11F5FE85-112B-4304-9944-36083D952874}"/>
-          </ac:spMkLst>
-        </pc:spChg>
-        <pc:spChg chg="mod">
-          <ac:chgData name="Deepika Roy" userId="ae649067-a08d-41b6-b863-ef4e4f4624b6" providerId="ADAL" clId="{64197176-1079-4302-98AF-78607E4E22BC}" dt="2020-05-10T17:24:20.465" v="2074" actId="1035"/>
-          <ac:spMkLst>
-            <pc:docMk/>
-            <pc:sldMk cId="1602210818" sldId="265"/>
-            <ac:spMk id="18" creationId="{82389D04-2690-410F-B9BB-9481013C0F60}"/>
-          </ac:spMkLst>
-        </pc:spChg>
-      </pc:sldChg>
-      <pc:sldChg chg="modSp add">
-        <pc:chgData name="Deepika Roy" userId="ae649067-a08d-41b6-b863-ef4e4f4624b6" providerId="ADAL" clId="{64197176-1079-4302-98AF-78607E4E22BC}" dt="2020-05-10T17:23:00.493" v="1985" actId="20577"/>
-        <pc:sldMkLst>
-          <pc:docMk/>
-          <pc:sldMk cId="3783139352" sldId="272"/>
-        </pc:sldMkLst>
-        <pc:spChg chg="mod">
-          <ac:chgData name="Deepika Roy" userId="ae649067-a08d-41b6-b863-ef4e4f4624b6" providerId="ADAL" clId="{64197176-1079-4302-98AF-78607E4E22BC}" dt="2020-05-10T17:13:49.024" v="657" actId="20577"/>
-          <ac:spMkLst>
-            <pc:docMk/>
-            <pc:sldMk cId="3783139352" sldId="272"/>
-            <ac:spMk id="2" creationId="{7E9677F0-47A6-4833-8A6B-3E33A94EC18B}"/>
-          </ac:spMkLst>
-        </pc:spChg>
-        <pc:spChg chg="mod">
-          <ac:chgData name="Deepika Roy" userId="ae649067-a08d-41b6-b863-ef4e4f4624b6" providerId="ADAL" clId="{64197176-1079-4302-98AF-78607E4E22BC}" dt="2020-05-10T17:23:00.493" v="1985" actId="20577"/>
-          <ac:spMkLst>
-            <pc:docMk/>
-            <pc:sldMk cId="3783139352" sldId="272"/>
-            <ac:spMk id="3" creationId="{1D5078B9-5564-4AF2-B09A-623D8009970D}"/>
-          </ac:spMkLst>
-        </pc:spChg>
-      </pc:sldChg>
-      <pc:sldChg chg="modSp add">
-        <pc:chgData name="Deepika Roy" userId="ae649067-a08d-41b6-b863-ef4e4f4624b6" providerId="ADAL" clId="{64197176-1079-4302-98AF-78607E4E22BC}" dt="2020-05-10T17:25:42.142" v="2101" actId="27636"/>
-        <pc:sldMkLst>
-          <pc:docMk/>
-          <pc:sldMk cId="4066349390" sldId="273"/>
-        </pc:sldMkLst>
-        <pc:spChg chg="mod">
-          <ac:chgData name="Deepika Roy" userId="ae649067-a08d-41b6-b863-ef4e4f4624b6" providerId="ADAL" clId="{64197176-1079-4302-98AF-78607E4E22BC}" dt="2020-05-10T17:14:15.983" v="749" actId="20577"/>
-          <ac:spMkLst>
-            <pc:docMk/>
-            <pc:sldMk cId="4066349390" sldId="273"/>
-            <ac:spMk id="2" creationId="{784829B5-E014-473D-87E3-4EB38D2A0519}"/>
-          </ac:spMkLst>
-        </pc:spChg>
-        <pc:spChg chg="mod">
-          <ac:chgData name="Deepika Roy" userId="ae649067-a08d-41b6-b863-ef4e4f4624b6" providerId="ADAL" clId="{64197176-1079-4302-98AF-78607E4E22BC}" dt="2020-05-10T17:25:42.142" v="2101" actId="27636"/>
-          <ac:spMkLst>
-            <pc:docMk/>
-            <pc:sldMk cId="4066349390" sldId="273"/>
-            <ac:spMk id="3" creationId="{DAAA795A-99F7-4671-8463-DC5496F16B90}"/>
-          </ac:spMkLst>
-        </pc:spChg>
-      </pc:sldChg>
-      <pc:sldChg chg="modSp add">
-        <pc:chgData name="Deepika Roy" userId="ae649067-a08d-41b6-b863-ef4e4f4624b6" providerId="ADAL" clId="{64197176-1079-4302-98AF-78607E4E22BC}" dt="2020-05-10T17:33:57.222" v="3199" actId="20577"/>
-        <pc:sldMkLst>
-          <pc:docMk/>
-          <pc:sldMk cId="2715106891" sldId="274"/>
-        </pc:sldMkLst>
-        <pc:spChg chg="mod">
-          <ac:chgData name="Deepika Roy" userId="ae649067-a08d-41b6-b863-ef4e4f4624b6" providerId="ADAL" clId="{64197176-1079-4302-98AF-78607E4E22BC}" dt="2020-05-10T17:14:42.381" v="811" actId="20577"/>
-          <ac:spMkLst>
-            <pc:docMk/>
-            <pc:sldMk cId="2715106891" sldId="274"/>
-            <ac:spMk id="2" creationId="{2F28A0BC-756E-48B5-A6DC-3DB99EC02F10}"/>
-          </ac:spMkLst>
-        </pc:spChg>
-        <pc:spChg chg="mod">
-          <ac:chgData name="Deepika Roy" userId="ae649067-a08d-41b6-b863-ef4e4f4624b6" providerId="ADAL" clId="{64197176-1079-4302-98AF-78607E4E22BC}" dt="2020-05-10T17:33:57.222" v="3199" actId="20577"/>
-          <ac:spMkLst>
-            <pc:docMk/>
-            <pc:sldMk cId="2715106891" sldId="274"/>
-            <ac:spMk id="3" creationId="{70E1AE7C-245A-4426-828E-00DBF012BF14}"/>
-          </ac:spMkLst>
-        </pc:spChg>
-      </pc:sldChg>
-      <pc:sldChg chg="modSp add">
-        <pc:chgData name="Deepika Roy" userId="ae649067-a08d-41b6-b863-ef4e4f4624b6" providerId="ADAL" clId="{64197176-1079-4302-98AF-78607E4E22BC}" dt="2020-05-10T17:32:58.270" v="3074" actId="20577"/>
-        <pc:sldMkLst>
-          <pc:docMk/>
-          <pc:sldMk cId="171565546" sldId="275"/>
-        </pc:sldMkLst>
-        <pc:spChg chg="mod">
-          <ac:chgData name="Deepika Roy" userId="ae649067-a08d-41b6-b863-ef4e4f4624b6" providerId="ADAL" clId="{64197176-1079-4302-98AF-78607E4E22BC}" dt="2020-05-10T17:15:14.461" v="899" actId="20577"/>
-          <ac:spMkLst>
-            <pc:docMk/>
-            <pc:sldMk cId="171565546" sldId="275"/>
-            <ac:spMk id="2" creationId="{635C0688-A521-4C58-AA25-BE5A6EB4DD66}"/>
-          </ac:spMkLst>
-        </pc:spChg>
-        <pc:spChg chg="mod">
-          <ac:chgData name="Deepika Roy" userId="ae649067-a08d-41b6-b863-ef4e4f4624b6" providerId="ADAL" clId="{64197176-1079-4302-98AF-78607E4E22BC}" dt="2020-05-10T17:32:58.270" v="3074" actId="20577"/>
-          <ac:spMkLst>
-            <pc:docMk/>
-            <pc:sldMk cId="171565546" sldId="275"/>
-            <ac:spMk id="3" creationId="{566A5AD3-C66F-43A5-B320-3905E6B8E67C}"/>
-          </ac:spMkLst>
-        </pc:spChg>
-      </pc:sldChg>
-      <pc:sldChg chg="modSp add">
-        <pc:chgData name="Deepika Roy" userId="ae649067-a08d-41b6-b863-ef4e4f4624b6" providerId="ADAL" clId="{64197176-1079-4302-98AF-78607E4E22BC}" dt="2020-05-10T17:52:30.813" v="3710" actId="27636"/>
-        <pc:sldMkLst>
-          <pc:docMk/>
-          <pc:sldMk cId="3870890706" sldId="276"/>
-        </pc:sldMkLst>
-        <pc:spChg chg="mod">
-          <ac:chgData name="Deepika Roy" userId="ae649067-a08d-41b6-b863-ef4e4f4624b6" providerId="ADAL" clId="{64197176-1079-4302-98AF-78607E4E22BC}" dt="2020-05-10T17:16:14.125" v="1027" actId="20577"/>
-          <ac:spMkLst>
-            <pc:docMk/>
-            <pc:sldMk cId="3870890706" sldId="276"/>
-            <ac:spMk id="2" creationId="{6E1ACD40-B35B-4418-9396-E975D2DAB4CA}"/>
-          </ac:spMkLst>
-        </pc:spChg>
-        <pc:spChg chg="mod">
-          <ac:chgData name="Deepika Roy" userId="ae649067-a08d-41b6-b863-ef4e4f4624b6" providerId="ADAL" clId="{64197176-1079-4302-98AF-78607E4E22BC}" dt="2020-05-10T17:52:30.813" v="3710" actId="27636"/>
-          <ac:spMkLst>
-            <pc:docMk/>
-            <pc:sldMk cId="3870890706" sldId="276"/>
-            <ac:spMk id="3" creationId="{9C469FA8-6C21-4E2A-A7B9-B82BAA7CFC52}"/>
-          </ac:spMkLst>
-        </pc:spChg>
-      </pc:sldChg>
-      <pc:sldChg chg="modSp add">
-        <pc:chgData name="Deepika Roy" userId="ae649067-a08d-41b6-b863-ef4e4f4624b6" providerId="ADAL" clId="{64197176-1079-4302-98AF-78607E4E22BC}" dt="2020-05-10T17:29:35.916" v="2541" actId="5793"/>
-        <pc:sldMkLst>
-          <pc:docMk/>
-          <pc:sldMk cId="2325096278" sldId="277"/>
-        </pc:sldMkLst>
-        <pc:spChg chg="mod">
-          <ac:chgData name="Deepika Roy" userId="ae649067-a08d-41b6-b863-ef4e4f4624b6" providerId="ADAL" clId="{64197176-1079-4302-98AF-78607E4E22BC}" dt="2020-05-10T17:29:35.916" v="2541" actId="5793"/>
-          <ac:spMkLst>
-            <pc:docMk/>
-            <pc:sldMk cId="2325096278" sldId="277"/>
-            <ac:spMk id="3" creationId="{DAAA795A-99F7-4671-8463-DC5496F16B90}"/>
-          </ac:spMkLst>
-        </pc:spChg>
-      </pc:sldChg>
-      <pc:sldChg chg="modSp add">
-        <pc:chgData name="Deepika Roy" userId="ae649067-a08d-41b6-b863-ef4e4f4624b6" providerId="ADAL" clId="{64197176-1079-4302-98AF-78607E4E22BC}" dt="2020-05-10T17:22:52.908" v="1969" actId="20577"/>
-        <pc:sldMkLst>
-          <pc:docMk/>
-          <pc:sldMk cId="177648289" sldId="278"/>
-        </pc:sldMkLst>
-        <pc:spChg chg="mod">
-          <ac:chgData name="Deepika Roy" userId="ae649067-a08d-41b6-b863-ef4e4f4624b6" providerId="ADAL" clId="{64197176-1079-4302-98AF-78607E4E22BC}" dt="2020-05-10T17:22:52.908" v="1969" actId="20577"/>
-          <ac:spMkLst>
-            <pc:docMk/>
-            <pc:sldMk cId="177648289" sldId="278"/>
-            <ac:spMk id="3" creationId="{1D5078B9-5564-4AF2-B09A-623D8009970D}"/>
-          </ac:spMkLst>
-        </pc:spChg>
-      </pc:sldChg>
-      <pc:sldChg chg="modSp add">
-        <pc:chgData name="Deepika Roy" userId="ae649067-a08d-41b6-b863-ef4e4f4624b6" providerId="ADAL" clId="{64197176-1079-4302-98AF-78607E4E22BC}" dt="2020-05-10T17:25:07.850" v="2093"/>
-        <pc:sldMkLst>
-          <pc:docMk/>
-          <pc:sldMk cId="4193119498" sldId="279"/>
-        </pc:sldMkLst>
-        <pc:spChg chg="mod">
-          <ac:chgData name="Deepika Roy" userId="ae649067-a08d-41b6-b863-ef4e4f4624b6" providerId="ADAL" clId="{64197176-1079-4302-98AF-78607E4E22BC}" dt="2020-05-10T17:24:52.820" v="2092" actId="5793"/>
-          <ac:spMkLst>
-            <pc:docMk/>
-            <pc:sldMk cId="4193119498" sldId="279"/>
-            <ac:spMk id="2" creationId="{A1093F78-D8F7-4162-A332-AB65776D2A81}"/>
-          </ac:spMkLst>
-        </pc:spChg>
-        <pc:spChg chg="mod">
-          <ac:chgData name="Deepika Roy" userId="ae649067-a08d-41b6-b863-ef4e4f4624b6" providerId="ADAL" clId="{64197176-1079-4302-98AF-78607E4E22BC}" dt="2020-05-10T17:25:07.850" v="2093"/>
-          <ac:spMkLst>
-            <pc:docMk/>
-            <pc:sldMk cId="4193119498" sldId="279"/>
-            <ac:spMk id="3" creationId="{2B80013E-1712-4B29-8F0A-66EE7C8A13F0}"/>
-          </ac:spMkLst>
-        </pc:spChg>
-      </pc:sldChg>
-    </pc:docChg>
-  </pc:docChgLst>
 </pc:chgInfo>
 </file>
 
@@ -1041,7 +1041,7 @@
           <a:p>
             <a:fld id="{1704BF5F-3C74-41B5-8E3B-36D96A1A8977}" type="datetimeFigureOut">
               <a:rPr lang="en-US" smtClean="0"/>
-              <a:t>5/10/2020</a:t>
+              <a:t>5/19/2020</a:t>
             </a:fld>
             <a:endParaRPr lang="en-US"/>
           </a:p>
@@ -1905,7 +1905,7 @@
             <a:fld id="{B61BEF0D-F0BB-DE4B-95CE-6DB70DBA9567}" type="datetimeFigureOut">
               <a:rPr lang="en-US" dirty="0"/>
               <a:pPr/>
-              <a:t>5/10/2020</a:t>
+              <a:t>5/19/2020</a:t>
             </a:fld>
             <a:endParaRPr lang="en-US" dirty="0"/>
           </a:p>
@@ -2226,7 +2226,7 @@
             <a:fld id="{B61BEF0D-F0BB-DE4B-95CE-6DB70DBA9567}" type="datetimeFigureOut">
               <a:rPr lang="en-US" dirty="0"/>
               <a:pPr/>
-              <a:t>5/10/2020</a:t>
+              <a:t>5/19/2020</a:t>
             </a:fld>
             <a:endParaRPr lang="en-US" dirty="0"/>
           </a:p>
@@ -2471,7 +2471,7 @@
             <a:fld id="{B61BEF0D-F0BB-DE4B-95CE-6DB70DBA9567}" type="datetimeFigureOut">
               <a:rPr lang="en-US" dirty="0"/>
               <a:pPr/>
-              <a:t>5/10/2020</a:t>
+              <a:t>5/19/2020</a:t>
             </a:fld>
             <a:endParaRPr lang="en-US" dirty="0"/>
           </a:p>
@@ -2807,7 +2807,7 @@
             <a:fld id="{B61BEF0D-F0BB-DE4B-95CE-6DB70DBA9567}" type="datetimeFigureOut">
               <a:rPr lang="en-US" dirty="0"/>
               <a:pPr/>
-              <a:t>5/10/2020</a:t>
+              <a:t>5/19/2020</a:t>
             </a:fld>
             <a:endParaRPr lang="en-US" dirty="0"/>
           </a:p>
@@ -3151,7 +3151,7 @@
             <a:fld id="{B61BEF0D-F0BB-DE4B-95CE-6DB70DBA9567}" type="datetimeFigureOut">
               <a:rPr lang="en-US" dirty="0"/>
               <a:pPr/>
-              <a:t>5/10/2020</a:t>
+              <a:t>5/19/2020</a:t>
             </a:fld>
             <a:endParaRPr lang="en-US" dirty="0"/>
           </a:p>
@@ -3522,7 +3522,7 @@
             <a:fld id="{B61BEF0D-F0BB-DE4B-95CE-6DB70DBA9567}" type="datetimeFigureOut">
               <a:rPr lang="en-US" dirty="0"/>
               <a:pPr/>
-              <a:t>5/10/2020</a:t>
+              <a:t>5/19/2020</a:t>
             </a:fld>
             <a:endParaRPr lang="en-US" dirty="0"/>
           </a:p>
@@ -3989,7 +3989,7 @@
             <a:fld id="{B61BEF0D-F0BB-DE4B-95CE-6DB70DBA9567}" type="datetimeFigureOut">
               <a:rPr lang="en-US" dirty="0"/>
               <a:pPr/>
-              <a:t>5/10/2020</a:t>
+              <a:t>5/19/2020</a:t>
             </a:fld>
             <a:endParaRPr lang="en-US" dirty="0"/>
           </a:p>
@@ -4191,7 +4191,7 @@
             <a:fld id="{B61BEF0D-F0BB-DE4B-95CE-6DB70DBA9567}" type="datetimeFigureOut">
               <a:rPr lang="en-US" dirty="0"/>
               <a:pPr/>
-              <a:t>5/10/2020</a:t>
+              <a:t>5/19/2020</a:t>
             </a:fld>
             <a:endParaRPr lang="en-US" dirty="0"/>
           </a:p>
@@ -4399,7 +4399,7 @@
             <a:fld id="{B61BEF0D-F0BB-DE4B-95CE-6DB70DBA9567}" type="datetimeFigureOut">
               <a:rPr lang="en-US" dirty="0"/>
               <a:pPr/>
-              <a:t>5/10/2020</a:t>
+              <a:t>5/19/2020</a:t>
             </a:fld>
             <a:endParaRPr lang="en-US" dirty="0"/>
           </a:p>
@@ -4627,7 +4627,7 @@
           <a:p>
             <a:fld id="{52647F38-B617-4D2F-AE0A-013F0C4D2C57}" type="datetimeFigureOut">
               <a:rPr lang="en-US" dirty="0"/>
-              <a:t>5/10/2020</a:t>
+              <a:t>5/19/2020</a:t>
             </a:fld>
             <a:endParaRPr lang="en-US" dirty="0"/>
           </a:p>
@@ -4871,7 +4871,7 @@
             <a:fld id="{B61BEF0D-F0BB-DE4B-95CE-6DB70DBA9567}" type="datetimeFigureOut">
               <a:rPr lang="en-US" dirty="0"/>
               <a:pPr/>
-              <a:t>5/10/2020</a:t>
+              <a:t>5/19/2020</a:t>
             </a:fld>
             <a:endParaRPr lang="en-US" dirty="0"/>
           </a:p>
@@ -5165,7 +5165,7 @@
           <a:p>
             <a:fld id="{05BFA754-D5C3-4E66-96A6-867B257F58DC}" type="datetimeFigureOut">
               <a:rPr lang="en-US" dirty="0"/>
-              <a:t>5/10/2020</a:t>
+              <a:t>5/19/2020</a:t>
             </a:fld>
             <a:endParaRPr lang="en-US" dirty="0"/>
           </a:p>
@@ -5555,7 +5555,7 @@
             <a:fld id="{B61BEF0D-F0BB-DE4B-95CE-6DB70DBA9567}" type="datetimeFigureOut">
               <a:rPr lang="en-US" dirty="0"/>
               <a:pPr/>
-              <a:t>5/10/2020</a:t>
+              <a:t>5/19/2020</a:t>
             </a:fld>
             <a:endParaRPr lang="en-US" dirty="0"/>
           </a:p>
@@ -5701,7 +5701,7 @@
             <a:fld id="{B61BEF0D-F0BB-DE4B-95CE-6DB70DBA9567}" type="datetimeFigureOut">
               <a:rPr lang="en-US" dirty="0"/>
               <a:pPr/>
-              <a:t>5/10/2020</a:t>
+              <a:t>5/19/2020</a:t>
             </a:fld>
             <a:endParaRPr lang="en-US" dirty="0"/>
           </a:p>
@@ -5824,7 +5824,7 @@
             <a:fld id="{B61BEF0D-F0BB-DE4B-95CE-6DB70DBA9567}" type="datetimeFigureOut">
               <a:rPr lang="en-US" dirty="0"/>
               <a:pPr/>
-              <a:t>5/10/2020</a:t>
+              <a:t>5/19/2020</a:t>
             </a:fld>
             <a:endParaRPr lang="en-US" dirty="0"/>
           </a:p>
@@ -6076,7 +6076,7 @@
             <a:fld id="{B61BEF0D-F0BB-DE4B-95CE-6DB70DBA9567}" type="datetimeFigureOut">
               <a:rPr lang="en-US" dirty="0"/>
               <a:pPr/>
-              <a:t>5/10/2020</a:t>
+              <a:t>5/19/2020</a:t>
             </a:fld>
             <a:endParaRPr lang="en-US" dirty="0"/>
           </a:p>
@@ -6388,7 +6388,7 @@
             <a:fld id="{B61BEF0D-F0BB-DE4B-95CE-6DB70DBA9567}" type="datetimeFigureOut">
               <a:rPr lang="en-US" dirty="0"/>
               <a:pPr/>
-              <a:t>5/10/2020</a:t>
+              <a:t>5/19/2020</a:t>
             </a:fld>
             <a:endParaRPr lang="en-US" dirty="0"/>
           </a:p>
@@ -6736,7 +6736,7 @@
             <a:fld id="{B61BEF0D-F0BB-DE4B-95CE-6DB70DBA9567}" type="datetimeFigureOut">
               <a:rPr lang="en-US" dirty="0"/>
               <a:pPr/>
-              <a:t>5/10/2020</a:t>
+              <a:t>5/19/2020</a:t>
             </a:fld>
             <a:endParaRPr lang="en-US" dirty="0"/>
           </a:p>
@@ -11649,6 +11649,22 @@
           <a:bodyPr/>
           <a:lstStyle/>
           <a:p>
+            <a:r>
+              <a:rPr lang="en-US" dirty="0"/>
+              <a:t>So for calculating risk we have used the available </a:t>
+            </a:r>
+            <a:r>
+              <a:rPr lang="en-US" dirty="0" err="1"/>
+              <a:t>covid</a:t>
+            </a:r>
+            <a:r>
+              <a:rPr lang="en-US" dirty="0"/>
+              <a:t> 19 dataset and filter out the most common symptoms the patients show. Also we have used web scraping f=technique to get the hotspot points in India. So every option has some weightage when user selects appropriate option from available options then the algorithm predicts the person being affected from the trained model. Suppose if a person has travelled internationally and he has fever than his risk will be automatically more. So like this our Risk calculation </a:t>
+            </a:r>
+            <a:r>
+              <a:rPr lang="en-US"/>
+              <a:t>algorithm works.</a:t>
+            </a:r>
             <a:endParaRPr lang="en-US" dirty="0"/>
           </a:p>
         </p:txBody>
@@ -12419,6 +12435,15 @@
 </file>
 
 <file path=customXml/item1.xml><?xml version="1.0" encoding="utf-8"?>
+<?mso-contentType ?>
+<FormTemplates xmlns="http://schemas.microsoft.com/sharepoint/v3/contenttype/forms">
+  <Display>DocumentLibraryForm</Display>
+  <Edit>DocumentLibraryForm</Edit>
+  <New>DocumentLibraryForm</New>
+</FormTemplates>
+</file>
+
+<file path=customXml/item2.xml><?xml version="1.0" encoding="utf-8"?>
 <ct:contentTypeSchema xmlns:ct="http://schemas.microsoft.com/office/2006/metadata/contentType" xmlns:ma="http://schemas.microsoft.com/office/2006/metadata/properties/metaAttributes" ct:_="" ma:_="" ma:contentTypeName="Document" ma:contentTypeID="0x010100F305C7E5E7992645A71EB9F76899E953" ma:contentTypeVersion="13" ma:contentTypeDescription="Create a new document." ma:contentTypeScope="" ma:versionID="63ca28b24ed0a0c5ed57d96da506dd5d">
   <xsd:schema xmlns:xsd="http://www.w3.org/2001/XMLSchema" xmlns:xs="http://www.w3.org/2001/XMLSchema" xmlns:p="http://schemas.microsoft.com/office/2006/metadata/properties" xmlns:ns3="d3d3a2e7-22be-4155-961b-62f3e99b26ae" xmlns:ns4="75513505-df5c-432b-a7c4-8a87d96884ba" targetNamespace="http://schemas.microsoft.com/office/2006/metadata/properties" ma:root="true" ma:fieldsID="1e30a486788f23c749a25076ffea063f" ns3:_="" ns4:_="">
     <xsd:import namespace="d3d3a2e7-22be-4155-961b-62f3e99b26ae"/>
@@ -12641,15 +12666,6 @@
 </ct:contentTypeSchema>
 </file>
 
-<file path=customXml/item2.xml><?xml version="1.0" encoding="utf-8"?>
-<?mso-contentType ?>
-<FormTemplates xmlns="http://schemas.microsoft.com/sharepoint/v3/contenttype/forms">
-  <Display>DocumentLibraryForm</Display>
-  <Edit>DocumentLibraryForm</Edit>
-  <New>DocumentLibraryForm</New>
-</FormTemplates>
-</file>
-
 <file path=customXml/item3.xml><?xml version="1.0" encoding="utf-8"?>
 <p:properties xmlns:p="http://schemas.microsoft.com/office/2006/metadata/properties" xmlns:xsi="http://www.w3.org/2001/XMLSchema-instance" xmlns:pc="http://schemas.microsoft.com/office/infopath/2007/PartnerControls">
   <documentManagement/>
@@ -12657,6 +12673,14 @@
 </file>
 
 <file path=customXml/itemProps1.xml><?xml version="1.0" encoding="utf-8"?>
+<ds:datastoreItem xmlns:ds="http://schemas.openxmlformats.org/officeDocument/2006/customXml" ds:itemID="{CB5C3E0B-77DE-4843-88E0-CD71AF880AB4}">
+  <ds:schemaRefs>
+    <ds:schemaRef ds:uri="http://schemas.microsoft.com/sharepoint/v3/contenttype/forms"/>
+  </ds:schemaRefs>
+</ds:datastoreItem>
+</file>
+
+<file path=customXml/itemProps2.xml><?xml version="1.0" encoding="utf-8"?>
 <ds:datastoreItem xmlns:ds="http://schemas.openxmlformats.org/officeDocument/2006/customXml" ds:itemID="{8DA26A35-D4DF-4C31-8BB7-D042B7975C36}">
   <ds:schemaRefs>
     <ds:schemaRef ds:uri="http://schemas.microsoft.com/office/2006/metadata/contentType"/>
@@ -12671,14 +12695,6 @@
     <ds:schemaRef ds:uri="http://purl.org/dc/elements/1.1/"/>
     <ds:schemaRef ds:uri="http://purl.org/dc/terms/"/>
     <ds:schemaRef ds:uri="http://schemas.microsoft.com/internal/obd"/>
-  </ds:schemaRefs>
-</ds:datastoreItem>
-</file>
-
-<file path=customXml/itemProps2.xml><?xml version="1.0" encoding="utf-8"?>
-<ds:datastoreItem xmlns:ds="http://schemas.openxmlformats.org/officeDocument/2006/customXml" ds:itemID="{CB5C3E0B-77DE-4843-88E0-CD71AF880AB4}">
-  <ds:schemaRefs>
-    <ds:schemaRef ds:uri="http://schemas.microsoft.com/sharepoint/v3/contenttype/forms"/>
   </ds:schemaRefs>
 </ds:datastoreItem>
 </file>
